--- a/day4/day4.pptx
+++ b/day4/day4.pptx
@@ -9222,7 +9222,7 @@
   <dgm:whole/>
   <dgm:extLst>
     <a:ext uri="http://schemas.microsoft.com/office/drawing/2008/diagram">
-      <dsp:dataModelExt xmlns:dsp="http://schemas.microsoft.com/office/drawing/2008/diagram" relId="rId8" minVer="http://schemas.openxmlformats.org/drawingml/2006/diagram"/>
+      <dsp:dataModelExt xmlns:dsp="http://schemas.microsoft.com/office/drawing/2008/diagram" relId="rId6" minVer="http://schemas.openxmlformats.org/drawingml/2006/diagram"/>
     </a:ext>
   </dgm:extLst>
 </dgm:dataModel>
@@ -29100,7 +29100,7 @@
           <a:p>
             <a:fld id="{3B2477CB-E0AE-4281-99AD-4E48B34E3FDC}" type="datetimeFigureOut">
               <a:rPr lang="en-IN" smtClean="0"/>
-              <a:t>27-11-2025</a:t>
+              <a:t>20-12-2025</a:t>
             </a:fld>
             <a:endParaRPr lang="en-IN"/>
           </a:p>
@@ -30647,7 +30647,7 @@
           <a:p>
             <a:fld id="{1D8BD707-D9CF-40AE-B4C6-C98DA3205C09}" type="datetimeFigureOut">
               <a:rPr lang="en-US" smtClean="0"/>
-              <a:t>11/27/2025</a:t>
+              <a:t>12/20/2025</a:t>
             </a:fld>
             <a:endParaRPr lang="en-US"/>
           </a:p>
@@ -30971,7 +30971,7 @@
           <a:p>
             <a:fld id="{1D8BD707-D9CF-40AE-B4C6-C98DA3205C09}" type="datetimeFigureOut">
               <a:rPr lang="en-US" smtClean="0"/>
-              <a:t>11/27/2025</a:t>
+              <a:t>12/20/2025</a:t>
             </a:fld>
             <a:endParaRPr lang="en-US"/>
           </a:p>
@@ -31254,7 +31254,7 @@
           <a:p>
             <a:fld id="{1D8BD707-D9CF-40AE-B4C6-C98DA3205C09}" type="datetimeFigureOut">
               <a:rPr lang="en-US" smtClean="0"/>
-              <a:t>11/27/2025</a:t>
+              <a:t>12/20/2025</a:t>
             </a:fld>
             <a:endParaRPr lang="en-US"/>
           </a:p>
@@ -31502,7 +31502,7 @@
           <a:p>
             <a:fld id="{1D8BD707-D9CF-40AE-B4C6-C98DA3205C09}" type="datetimeFigureOut">
               <a:rPr lang="en-US" smtClean="0"/>
-              <a:t>11/27/2025</a:t>
+              <a:t>12/20/2025</a:t>
             </a:fld>
             <a:endParaRPr lang="en-US"/>
           </a:p>
@@ -31841,7 +31841,7 @@
           <a:p>
             <a:fld id="{1D8BD707-D9CF-40AE-B4C6-C98DA3205C09}" type="datetimeFigureOut">
               <a:rPr lang="en-US" smtClean="0"/>
-              <a:t>11/27/2025</a:t>
+              <a:t>12/20/2025</a:t>
             </a:fld>
             <a:endParaRPr lang="en-US"/>
           </a:p>
@@ -32188,7 +32188,7 @@
           <a:p>
             <a:fld id="{1D8BD707-D9CF-40AE-B4C6-C98DA3205C09}" type="datetimeFigureOut">
               <a:rPr lang="en-US" smtClean="0"/>
-              <a:t>11/27/2025</a:t>
+              <a:t>12/20/2025</a:t>
             </a:fld>
             <a:endParaRPr lang="en-US"/>
           </a:p>
@@ -32562,7 +32562,7 @@
           <a:p>
             <a:fld id="{1D8BD707-D9CF-40AE-B4C6-C98DA3205C09}" type="datetimeFigureOut">
               <a:rPr lang="en-US" smtClean="0"/>
-              <a:t>11/27/2025</a:t>
+              <a:t>12/20/2025</a:t>
             </a:fld>
             <a:endParaRPr lang="en-US"/>
           </a:p>
@@ -33032,7 +33032,7 @@
           <a:p>
             <a:fld id="{1D8BD707-D9CF-40AE-B4C6-C98DA3205C09}" type="datetimeFigureOut">
               <a:rPr lang="en-US" smtClean="0"/>
-              <a:t>11/27/2025</a:t>
+              <a:t>12/20/2025</a:t>
             </a:fld>
             <a:endParaRPr lang="en-US"/>
           </a:p>
@@ -33242,7 +33242,7 @@
           <a:p>
             <a:fld id="{1D8BD707-D9CF-40AE-B4C6-C98DA3205C09}" type="datetimeFigureOut">
               <a:rPr lang="en-US" smtClean="0"/>
-              <a:t>11/27/2025</a:t>
+              <a:t>12/20/2025</a:t>
             </a:fld>
             <a:endParaRPr lang="en-US"/>
           </a:p>
@@ -33453,7 +33453,7 @@
           <a:p>
             <a:fld id="{1D8BD707-D9CF-40AE-B4C6-C98DA3205C09}" type="datetimeFigureOut">
               <a:rPr lang="en-US" smtClean="0"/>
-              <a:t>11/27/2025</a:t>
+              <a:t>12/20/2025</a:t>
             </a:fld>
             <a:endParaRPr lang="en-US"/>
           </a:p>
@@ -33685,7 +33685,7 @@
           <a:p>
             <a:fld id="{1D8BD707-D9CF-40AE-B4C6-C98DA3205C09}" type="datetimeFigureOut">
               <a:rPr lang="en-US" smtClean="0"/>
-              <a:t>11/27/2025</a:t>
+              <a:t>12/20/2025</a:t>
             </a:fld>
             <a:endParaRPr lang="en-US"/>
           </a:p>
@@ -33815,7 +33815,7 @@
           <a:p>
             <a:fld id="{1D8BD707-D9CF-40AE-B4C6-C98DA3205C09}" type="datetimeFigureOut">
               <a:rPr lang="en-US" smtClean="0"/>
-              <a:t>11/27/2025</a:t>
+              <a:t>12/20/2025</a:t>
             </a:fld>
             <a:endParaRPr lang="en-US"/>
           </a:p>
@@ -34075,7 +34075,7 @@
           <a:p>
             <a:fld id="{1D8BD707-D9CF-40AE-B4C6-C98DA3205C09}" type="datetimeFigureOut">
               <a:rPr lang="en-US" smtClean="0"/>
-              <a:t>11/27/2025</a:t>
+              <a:t>12/20/2025</a:t>
             </a:fld>
             <a:endParaRPr lang="en-US"/>
           </a:p>
@@ -34378,7 +34378,7 @@
           <a:p>
             <a:fld id="{1D8BD707-D9CF-40AE-B4C6-C98DA3205C09}" type="datetimeFigureOut">
               <a:rPr lang="en-US" smtClean="0"/>
-              <a:t>11/27/2025</a:t>
+              <a:t>12/20/2025</a:t>
             </a:fld>
             <a:endParaRPr lang="en-US"/>
           </a:p>
@@ -34760,7 +34760,7 @@
           <a:p>
             <a:fld id="{1D8BD707-D9CF-40AE-B4C6-C98DA3205C09}" type="datetimeFigureOut">
               <a:rPr lang="en-US" smtClean="0"/>
-              <a:t>11/27/2025</a:t>
+              <a:t>12/20/2025</a:t>
             </a:fld>
             <a:endParaRPr lang="en-US"/>
           </a:p>
@@ -34914,7 +34914,7 @@
           <a:p>
             <a:fld id="{1D8BD707-D9CF-40AE-B4C6-C98DA3205C09}" type="datetimeFigureOut">
               <a:rPr lang="en-US" smtClean="0"/>
-              <a:t>11/27/2025</a:t>
+              <a:t>12/20/2025</a:t>
             </a:fld>
             <a:endParaRPr lang="en-US"/>
           </a:p>
@@ -35041,7 +35041,7 @@
             <a:fld id="{B61BEF0D-F0BB-DE4B-95CE-6DB70DBA9567}" type="datetimeFigureOut">
               <a:rPr lang="en-US" smtClean="0"/>
               <a:pPr/>
-              <a:t>11/27/2025</a:t>
+              <a:t>12/20/2025</a:t>
             </a:fld>
             <a:endParaRPr lang="en-US" dirty="0"/>
           </a:p>
@@ -35357,7 +35357,7 @@
           <a:p>
             <a:fld id="{1D8BD707-D9CF-40AE-B4C6-C98DA3205C09}" type="datetimeFigureOut">
               <a:rPr lang="en-US" smtClean="0"/>
-              <a:t>11/27/2025</a:t>
+              <a:t>12/20/2025</a:t>
             </a:fld>
             <a:endParaRPr lang="en-US"/>
           </a:p>
@@ -35739,7 +35739,7 @@
           <a:p>
             <a:fld id="{1D8BD707-D9CF-40AE-B4C6-C98DA3205C09}" type="datetimeFigureOut">
               <a:rPr lang="en-US" smtClean="0"/>
-              <a:t>11/27/2025</a:t>
+              <a:t>12/20/2025</a:t>
             </a:fld>
             <a:endParaRPr lang="en-US"/>
           </a:p>
@@ -36437,42 +36437,6 @@
           </a:p>
         </p:txBody>
       </p:sp>
-      <p:pic>
-        <p:nvPicPr>
-          <p:cNvPr id="6" name="Picture 5" descr="A logo with blue berries&#10;&#10;AI-generated content may be incorrect.">
-            <a:extLst>
-              <a:ext uri="{FF2B5EF4-FFF2-40B4-BE49-F238E27FC236}">
-                <a16:creationId xmlns:a16="http://schemas.microsoft.com/office/drawing/2014/main" id="{D6084676-6DE9-E68C-63CD-9FA4F3EBB2C6}"/>
-              </a:ext>
-            </a:extLst>
-          </p:cNvPr>
-          <p:cNvPicPr>
-            <a:picLocks noChangeAspect="1"/>
-          </p:cNvPicPr>
-          <p:nvPr/>
-        </p:nvPicPr>
-        <p:blipFill>
-          <a:blip r:embed="rId2">
-            <a:extLst>
-              <a:ext uri="{28A0092B-C50C-407E-A947-70E740481C1C}">
-                <a14:useLocalDpi xmlns:a14="http://schemas.microsoft.com/office/drawing/2010/main" val="0"/>
-              </a:ext>
-            </a:extLst>
-          </a:blip>
-          <a:stretch>
-            <a:fillRect/>
-          </a:stretch>
-        </p:blipFill>
-        <p:spPr>
-          <a:xfrm>
-            <a:off x="1494" y="6405561"/>
-            <a:ext cx="2047504" cy="1150939"/>
-          </a:xfrm>
-          <a:prstGeom prst="rect">
-            <a:avLst/>
-          </a:prstGeom>
-        </p:spPr>
-      </p:pic>
       <p:sp>
         <p:nvSpPr>
           <p:cNvPr id="9" name="TextBox 8">
@@ -36642,6 +36606,31 @@
           </a:graphicData>
         </a:graphic>
       </p:graphicFrame>
+      <p:sp>
+        <p:nvSpPr>
+          <p:cNvPr id="4" name="Title 3">
+            <a:extLst>
+              <a:ext uri="{FF2B5EF4-FFF2-40B4-BE49-F238E27FC236}">
+                <a16:creationId xmlns:a16="http://schemas.microsoft.com/office/drawing/2014/main" id="{AB0626AC-9EFD-762E-8527-EF54D869E7E5}"/>
+              </a:ext>
+            </a:extLst>
+          </p:cNvPr>
+          <p:cNvSpPr>
+            <a:spLocks noGrp="1"/>
+          </p:cNvSpPr>
+          <p:nvPr>
+            <p:ph type="title"/>
+          </p:nvPr>
+        </p:nvSpPr>
+        <p:spPr/>
+        <p:txBody>
+          <a:bodyPr/>
+          <a:lstStyle/>
+          <a:p>
+            <a:endParaRPr lang="en-IN"/>
+          </a:p>
+        </p:txBody>
+      </p:sp>
     </p:spTree>
     <p:extLst>
       <p:ext uri="{BB962C8B-B14F-4D97-AF65-F5344CB8AC3E}">
@@ -36742,6 +36731,31 @@
           </a:graphicData>
         </a:graphic>
       </p:graphicFrame>
+      <p:sp>
+        <p:nvSpPr>
+          <p:cNvPr id="4" name="Title 3">
+            <a:extLst>
+              <a:ext uri="{FF2B5EF4-FFF2-40B4-BE49-F238E27FC236}">
+                <a16:creationId xmlns:a16="http://schemas.microsoft.com/office/drawing/2014/main" id="{4348F54F-4F89-260D-61DD-5ADB76013947}"/>
+              </a:ext>
+            </a:extLst>
+          </p:cNvPr>
+          <p:cNvSpPr>
+            <a:spLocks noGrp="1"/>
+          </p:cNvSpPr>
+          <p:nvPr>
+            <p:ph type="title"/>
+          </p:nvPr>
+        </p:nvSpPr>
+        <p:spPr/>
+        <p:txBody>
+          <a:bodyPr/>
+          <a:lstStyle/>
+          <a:p>
+            <a:endParaRPr lang="en-IN"/>
+          </a:p>
+        </p:txBody>
+      </p:sp>
     </p:spTree>
     <p:extLst>
       <p:ext uri="{BB962C8B-B14F-4D97-AF65-F5344CB8AC3E}">
@@ -36842,6 +36856,31 @@
           </a:graphicData>
         </a:graphic>
       </p:graphicFrame>
+      <p:sp>
+        <p:nvSpPr>
+          <p:cNvPr id="4" name="Title 3">
+            <a:extLst>
+              <a:ext uri="{FF2B5EF4-FFF2-40B4-BE49-F238E27FC236}">
+                <a16:creationId xmlns:a16="http://schemas.microsoft.com/office/drawing/2014/main" id="{67BECC53-8831-DC8C-3BF2-D75E75A1F312}"/>
+              </a:ext>
+            </a:extLst>
+          </p:cNvPr>
+          <p:cNvSpPr>
+            <a:spLocks noGrp="1"/>
+          </p:cNvSpPr>
+          <p:nvPr>
+            <p:ph type="title"/>
+          </p:nvPr>
+        </p:nvSpPr>
+        <p:spPr/>
+        <p:txBody>
+          <a:bodyPr/>
+          <a:lstStyle/>
+          <a:p>
+            <a:endParaRPr lang="en-IN"/>
+          </a:p>
+        </p:txBody>
+      </p:sp>
     </p:spTree>
     <p:extLst>
       <p:ext uri="{BB962C8B-B14F-4D97-AF65-F5344CB8AC3E}">
@@ -36941,6 +36980,31 @@
           </a:graphicData>
         </a:graphic>
       </p:graphicFrame>
+      <p:sp>
+        <p:nvSpPr>
+          <p:cNvPr id="4" name="Title 3">
+            <a:extLst>
+              <a:ext uri="{FF2B5EF4-FFF2-40B4-BE49-F238E27FC236}">
+                <a16:creationId xmlns:a16="http://schemas.microsoft.com/office/drawing/2014/main" id="{7DC0DF6E-2184-9EB5-FD7C-661DAF4B55C7}"/>
+              </a:ext>
+            </a:extLst>
+          </p:cNvPr>
+          <p:cNvSpPr>
+            <a:spLocks noGrp="1"/>
+          </p:cNvSpPr>
+          <p:nvPr>
+            <p:ph type="title"/>
+          </p:nvPr>
+        </p:nvSpPr>
+        <p:spPr/>
+        <p:txBody>
+          <a:bodyPr/>
+          <a:lstStyle/>
+          <a:p>
+            <a:endParaRPr lang="en-IN"/>
+          </a:p>
+        </p:txBody>
+      </p:sp>
     </p:spTree>
     <p:extLst>
       <p:ext uri="{BB962C8B-B14F-4D97-AF65-F5344CB8AC3E}">
@@ -37045,6 +37109,31 @@
           </a:graphicData>
         </a:graphic>
       </p:graphicFrame>
+      <p:sp>
+        <p:nvSpPr>
+          <p:cNvPr id="4" name="Title 3">
+            <a:extLst>
+              <a:ext uri="{FF2B5EF4-FFF2-40B4-BE49-F238E27FC236}">
+                <a16:creationId xmlns:a16="http://schemas.microsoft.com/office/drawing/2014/main" id="{C830A129-1CAC-F667-6CE9-9962C722A6E9}"/>
+              </a:ext>
+            </a:extLst>
+          </p:cNvPr>
+          <p:cNvSpPr>
+            <a:spLocks noGrp="1"/>
+          </p:cNvSpPr>
+          <p:nvPr>
+            <p:ph type="title"/>
+          </p:nvPr>
+        </p:nvSpPr>
+        <p:spPr/>
+        <p:txBody>
+          <a:bodyPr/>
+          <a:lstStyle/>
+          <a:p>
+            <a:endParaRPr lang="en-IN"/>
+          </a:p>
+        </p:txBody>
+      </p:sp>
     </p:spTree>
     <p:extLst>
       <p:ext uri="{BB962C8B-B14F-4D97-AF65-F5344CB8AC3E}">
@@ -37155,6 +37244,31 @@
           </a:graphicData>
         </a:graphic>
       </p:graphicFrame>
+      <p:sp>
+        <p:nvSpPr>
+          <p:cNvPr id="4" name="Title 3">
+            <a:extLst>
+              <a:ext uri="{FF2B5EF4-FFF2-40B4-BE49-F238E27FC236}">
+                <a16:creationId xmlns:a16="http://schemas.microsoft.com/office/drawing/2014/main" id="{A94D7CCB-DCB5-80DF-DBF7-F5CAF2A5B267}"/>
+              </a:ext>
+            </a:extLst>
+          </p:cNvPr>
+          <p:cNvSpPr>
+            <a:spLocks noGrp="1"/>
+          </p:cNvSpPr>
+          <p:nvPr>
+            <p:ph type="title"/>
+          </p:nvPr>
+        </p:nvSpPr>
+        <p:spPr/>
+        <p:txBody>
+          <a:bodyPr/>
+          <a:lstStyle/>
+          <a:p>
+            <a:endParaRPr lang="en-IN"/>
+          </a:p>
+        </p:txBody>
+      </p:sp>
     </p:spTree>
     <p:extLst>
       <p:ext uri="{BB962C8B-B14F-4D97-AF65-F5344CB8AC3E}">
@@ -37265,6 +37379,31 @@
           </a:graphicData>
         </a:graphic>
       </p:graphicFrame>
+      <p:sp>
+        <p:nvSpPr>
+          <p:cNvPr id="4" name="Title 3">
+            <a:extLst>
+              <a:ext uri="{FF2B5EF4-FFF2-40B4-BE49-F238E27FC236}">
+                <a16:creationId xmlns:a16="http://schemas.microsoft.com/office/drawing/2014/main" id="{17967569-F401-1648-6124-53FC6E724CA7}"/>
+              </a:ext>
+            </a:extLst>
+          </p:cNvPr>
+          <p:cNvSpPr>
+            <a:spLocks noGrp="1"/>
+          </p:cNvSpPr>
+          <p:nvPr>
+            <p:ph type="title"/>
+          </p:nvPr>
+        </p:nvSpPr>
+        <p:spPr/>
+        <p:txBody>
+          <a:bodyPr/>
+          <a:lstStyle/>
+          <a:p>
+            <a:endParaRPr lang="en-IN"/>
+          </a:p>
+        </p:txBody>
+      </p:sp>
     </p:spTree>
     <p:extLst>
       <p:ext uri="{BB962C8B-B14F-4D97-AF65-F5344CB8AC3E}">
@@ -37639,6 +37778,31 @@
           </a:graphicData>
         </a:graphic>
       </p:graphicFrame>
+      <p:sp>
+        <p:nvSpPr>
+          <p:cNvPr id="4" name="Title 3">
+            <a:extLst>
+              <a:ext uri="{FF2B5EF4-FFF2-40B4-BE49-F238E27FC236}">
+                <a16:creationId xmlns:a16="http://schemas.microsoft.com/office/drawing/2014/main" id="{EDB0CA98-8C0A-24E4-74D7-D1453ACD0E9E}"/>
+              </a:ext>
+            </a:extLst>
+          </p:cNvPr>
+          <p:cNvSpPr>
+            <a:spLocks noGrp="1"/>
+          </p:cNvSpPr>
+          <p:nvPr>
+            <p:ph type="title"/>
+          </p:nvPr>
+        </p:nvSpPr>
+        <p:spPr/>
+        <p:txBody>
+          <a:bodyPr/>
+          <a:lstStyle/>
+          <a:p>
+            <a:endParaRPr lang="en-IN"/>
+          </a:p>
+        </p:txBody>
+      </p:sp>
     </p:spTree>
     <p:extLst>
       <p:ext uri="{BB962C8B-B14F-4D97-AF65-F5344CB8AC3E}">
@@ -37755,6 +37919,31 @@
           </a:graphicData>
         </a:graphic>
       </p:graphicFrame>
+      <p:sp>
+        <p:nvSpPr>
+          <p:cNvPr id="4" name="Title 3">
+            <a:extLst>
+              <a:ext uri="{FF2B5EF4-FFF2-40B4-BE49-F238E27FC236}">
+                <a16:creationId xmlns:a16="http://schemas.microsoft.com/office/drawing/2014/main" id="{8C42A134-1EDD-E0D0-FD96-51DB49DB0D17}"/>
+              </a:ext>
+            </a:extLst>
+          </p:cNvPr>
+          <p:cNvSpPr>
+            <a:spLocks noGrp="1"/>
+          </p:cNvSpPr>
+          <p:nvPr>
+            <p:ph type="title"/>
+          </p:nvPr>
+        </p:nvSpPr>
+        <p:spPr/>
+        <p:txBody>
+          <a:bodyPr/>
+          <a:lstStyle/>
+          <a:p>
+            <a:endParaRPr lang="en-IN"/>
+          </a:p>
+        </p:txBody>
+      </p:sp>
     </p:spTree>
     <p:extLst>
       <p:ext uri="{BB962C8B-B14F-4D97-AF65-F5344CB8AC3E}">
@@ -37959,6 +38148,31 @@
           </a:graphicData>
         </a:graphic>
       </p:graphicFrame>
+      <p:sp>
+        <p:nvSpPr>
+          <p:cNvPr id="4" name="Title 3">
+            <a:extLst>
+              <a:ext uri="{FF2B5EF4-FFF2-40B4-BE49-F238E27FC236}">
+                <a16:creationId xmlns:a16="http://schemas.microsoft.com/office/drawing/2014/main" id="{CC9F26BA-2D0E-B682-2720-82B8B015A185}"/>
+              </a:ext>
+            </a:extLst>
+          </p:cNvPr>
+          <p:cNvSpPr>
+            <a:spLocks noGrp="1"/>
+          </p:cNvSpPr>
+          <p:nvPr>
+            <p:ph type="title"/>
+          </p:nvPr>
+        </p:nvSpPr>
+        <p:spPr/>
+        <p:txBody>
+          <a:bodyPr/>
+          <a:lstStyle/>
+          <a:p>
+            <a:endParaRPr lang="en-IN"/>
+          </a:p>
+        </p:txBody>
+      </p:sp>
     </p:spTree>
     <p:extLst>
       <p:ext uri="{BB962C8B-B14F-4D97-AF65-F5344CB8AC3E}">
@@ -38069,66 +38283,6 @@
           <a:chExt cx="0" cy="0"/>
         </a:xfrm>
       </p:grpSpPr>
-      <p:pic>
-        <p:nvPicPr>
-          <p:cNvPr id="3" name="Picture 2" descr="A close-up of a logo&#10;&#10;AI-generated content may be incorrect.">
-            <a:extLst>
-              <a:ext uri="{FF2B5EF4-FFF2-40B4-BE49-F238E27FC236}">
-                <a16:creationId xmlns:a16="http://schemas.microsoft.com/office/drawing/2014/main" id="{E535FA6C-A4E7-DB99-5690-3173B409ACE7}"/>
-              </a:ext>
-            </a:extLst>
-          </p:cNvPr>
-          <p:cNvPicPr>
-            <a:picLocks noChangeAspect="1"/>
-          </p:cNvPicPr>
-          <p:nvPr/>
-        </p:nvPicPr>
-        <p:blipFill>
-          <a:blip r:embed="rId2"/>
-          <a:stretch>
-            <a:fillRect/>
-          </a:stretch>
-        </p:blipFill>
-        <p:spPr>
-          <a:xfrm>
-            <a:off x="9075117" y="6673850"/>
-            <a:ext cx="1442724" cy="756251"/>
-          </a:xfrm>
-          <a:prstGeom prst="rect">
-            <a:avLst/>
-          </a:prstGeom>
-        </p:spPr>
-      </p:pic>
-      <p:pic>
-        <p:nvPicPr>
-          <p:cNvPr id="4" name="Picture 3" descr="A logo with blue berries&#10;&#10;AI-generated content may be incorrect.">
-            <a:extLst>
-              <a:ext uri="{FF2B5EF4-FFF2-40B4-BE49-F238E27FC236}">
-                <a16:creationId xmlns:a16="http://schemas.microsoft.com/office/drawing/2014/main" id="{493A878A-B423-4F97-67AA-3B0522E9F841}"/>
-              </a:ext>
-            </a:extLst>
-          </p:cNvPr>
-          <p:cNvPicPr>
-            <a:picLocks noChangeAspect="1"/>
-          </p:cNvPicPr>
-          <p:nvPr/>
-        </p:nvPicPr>
-        <p:blipFill>
-          <a:blip r:embed="rId3"/>
-          <a:stretch>
-            <a:fillRect/>
-          </a:stretch>
-        </p:blipFill>
-        <p:spPr>
-          <a:xfrm>
-            <a:off x="88900" y="6673850"/>
-            <a:ext cx="1589741" cy="893622"/>
-          </a:xfrm>
-          <a:prstGeom prst="rect">
-            <a:avLst/>
-          </a:prstGeom>
-        </p:spPr>
-      </p:pic>
       <p:graphicFrame>
         <p:nvGraphicFramePr>
           <p:cNvPr id="5" name="Diagram 4">
@@ -38153,7 +38307,7 @@
         </p:xfrm>
         <a:graphic>
           <a:graphicData uri="http://schemas.openxmlformats.org/drawingml/2006/diagram">
-            <dgm:relIds xmlns:dgm="http://schemas.openxmlformats.org/drawingml/2006/diagram" xmlns:r="http://schemas.openxmlformats.org/officeDocument/2006/relationships" r:dm="rId4" r:lo="rId5" r:qs="rId6" r:cs="rId7"/>
+            <dgm:relIds xmlns:dgm="http://schemas.openxmlformats.org/drawingml/2006/diagram" xmlns:r="http://schemas.openxmlformats.org/officeDocument/2006/relationships" r:dm="rId2" r:lo="rId3" r:qs="rId4" r:cs="rId5"/>
           </a:graphicData>
         </a:graphic>
       </p:graphicFrame>
@@ -38268,6 +38422,31 @@
           </a:graphicData>
         </a:graphic>
       </p:graphicFrame>
+      <p:sp>
+        <p:nvSpPr>
+          <p:cNvPr id="4" name="Title 3">
+            <a:extLst>
+              <a:ext uri="{FF2B5EF4-FFF2-40B4-BE49-F238E27FC236}">
+                <a16:creationId xmlns:a16="http://schemas.microsoft.com/office/drawing/2014/main" id="{4E17F2C1-9BF6-1B8E-9A27-107778B69C07}"/>
+              </a:ext>
+            </a:extLst>
+          </p:cNvPr>
+          <p:cNvSpPr>
+            <a:spLocks noGrp="1"/>
+          </p:cNvSpPr>
+          <p:nvPr>
+            <p:ph type="title"/>
+          </p:nvPr>
+        </p:nvSpPr>
+        <p:spPr/>
+        <p:txBody>
+          <a:bodyPr/>
+          <a:lstStyle/>
+          <a:p>
+            <a:endParaRPr lang="en-IN"/>
+          </a:p>
+        </p:txBody>
+      </p:sp>
     </p:spTree>
     <p:extLst>
       <p:ext uri="{BB962C8B-B14F-4D97-AF65-F5344CB8AC3E}">
@@ -38378,6 +38557,31 @@
           <a:chExt cx="0" cy="0"/>
         </a:xfrm>
       </p:grpSpPr>
+      <p:sp>
+        <p:nvSpPr>
+          <p:cNvPr id="3" name="Title 2">
+            <a:extLst>
+              <a:ext uri="{FF2B5EF4-FFF2-40B4-BE49-F238E27FC236}">
+                <a16:creationId xmlns:a16="http://schemas.microsoft.com/office/drawing/2014/main" id="{C337498A-4BCD-F542-9727-E03FB815BD31}"/>
+              </a:ext>
+            </a:extLst>
+          </p:cNvPr>
+          <p:cNvSpPr>
+            <a:spLocks noGrp="1"/>
+          </p:cNvSpPr>
+          <p:nvPr>
+            <p:ph type="title"/>
+          </p:nvPr>
+        </p:nvSpPr>
+        <p:spPr/>
+        <p:txBody>
+          <a:bodyPr/>
+          <a:lstStyle/>
+          <a:p>
+            <a:endParaRPr lang="en-IN"/>
+          </a:p>
+        </p:txBody>
+      </p:sp>
     </p:spTree>
     <p:extLst>
       <p:ext uri="{BB962C8B-B14F-4D97-AF65-F5344CB8AC3E}">
@@ -38415,15 +38619,10 @@
             <a:spLocks noGrp="1"/>
           </p:cNvSpPr>
           <p:nvPr>
-            <p:ph type="title" idx="4294967295"/>
+            <p:ph type="title"/>
           </p:nvPr>
         </p:nvSpPr>
-        <p:spPr>
-          <a:xfrm>
-            <a:off x="1003300" y="1035050"/>
-            <a:ext cx="7950200" cy="1436687"/>
-          </a:xfrm>
-        </p:spPr>
+        <p:spPr/>
         <p:txBody>
           <a:bodyPr/>
           <a:lstStyle/>
@@ -38451,7 +38650,7 @@
         </p:nvSpPr>
         <p:spPr>
           <a:xfrm>
-            <a:off x="850900" y="2635250"/>
+            <a:off x="1155700" y="2178050"/>
             <a:ext cx="7950200" cy="3795713"/>
           </a:xfrm>
         </p:spPr>
@@ -38518,15 +38717,10 @@
             <a:spLocks noGrp="1"/>
           </p:cNvSpPr>
           <p:nvPr>
-            <p:ph type="title" idx="4294967295"/>
+            <p:ph type="title"/>
           </p:nvPr>
         </p:nvSpPr>
-        <p:spPr>
-          <a:xfrm>
-            <a:off x="976586" y="711993"/>
-            <a:ext cx="7950200" cy="1436687"/>
-          </a:xfrm>
-        </p:spPr>
+        <p:spPr/>
         <p:txBody>
           <a:bodyPr/>
           <a:lstStyle/>
@@ -38550,7 +38744,7 @@
         </p:nvSpPr>
         <p:spPr>
           <a:xfrm>
-            <a:off x="1003300" y="2330450"/>
+            <a:off x="1376821" y="2330450"/>
             <a:ext cx="7950200" cy="3795713"/>
           </a:xfrm>
         </p:spPr>
@@ -38559,23 +38753,32 @@
           <a:lstStyle/>
           <a:p>
             <a:r>
+              <a:rPr dirty="0"/>
               <a:t>User Query → Agent → Reason (Thought)</a:t>
             </a:r>
           </a:p>
           <a:p>
             <a:r>
+              <a:rPr dirty="0"/>
               <a:t>Reason → Select Tool → Execute → Observe</a:t>
             </a:r>
           </a:p>
           <a:p>
             <a:r>
+              <a:rPr dirty="0"/>
               <a:t>Observe → New Thought → Final Answer</a:t>
             </a:r>
           </a:p>
           <a:p>
             <a:r>
-              <a:t>This loop is the core of ReAct</a:t>
+              <a:rPr dirty="0"/>
+              <a:t>This loop is the core of </a:t>
             </a:r>
+            <a:r>
+              <a:rPr dirty="0" err="1"/>
+              <a:t>ReAct</a:t>
+            </a:r>
+            <a:endParaRPr dirty="0"/>
           </a:p>
         </p:txBody>
       </p:sp>
@@ -38611,15 +38814,10 @@
             <a:spLocks noGrp="1"/>
           </p:cNvSpPr>
           <p:nvPr>
-            <p:ph type="title" idx="4294967295"/>
+            <p:ph type="title"/>
           </p:nvPr>
         </p:nvSpPr>
-        <p:spPr>
-          <a:xfrm>
-            <a:off x="1536700" y="730250"/>
-            <a:ext cx="7950200" cy="1436687"/>
-          </a:xfrm>
-        </p:spPr>
+        <p:spPr/>
         <p:txBody>
           <a:bodyPr/>
           <a:lstStyle/>
@@ -38643,7 +38841,7 @@
         </p:nvSpPr>
         <p:spPr>
           <a:xfrm>
-            <a:off x="1231900" y="2465552"/>
+            <a:off x="1231900" y="2445234"/>
             <a:ext cx="7950200" cy="3795713"/>
           </a:xfrm>
         </p:spPr>
@@ -38736,6 +38934,31 @@
           </a:prstGeom>
         </p:spPr>
       </p:pic>
+      <p:sp>
+        <p:nvSpPr>
+          <p:cNvPr id="3" name="Title 2">
+            <a:extLst>
+              <a:ext uri="{FF2B5EF4-FFF2-40B4-BE49-F238E27FC236}">
+                <a16:creationId xmlns:a16="http://schemas.microsoft.com/office/drawing/2014/main" id="{815A59E7-9ED2-0984-5130-ADAC6B2CAA01}"/>
+              </a:ext>
+            </a:extLst>
+          </p:cNvPr>
+          <p:cNvSpPr>
+            <a:spLocks noGrp="1"/>
+          </p:cNvSpPr>
+          <p:nvPr>
+            <p:ph type="title"/>
+          </p:nvPr>
+        </p:nvSpPr>
+        <p:spPr/>
+        <p:txBody>
+          <a:bodyPr/>
+          <a:lstStyle/>
+          <a:p>
+            <a:endParaRPr lang="en-IN"/>
+          </a:p>
+        </p:txBody>
+      </p:sp>
     </p:spTree>
     <p:extLst>
       <p:ext uri="{BB962C8B-B14F-4D97-AF65-F5344CB8AC3E}">
@@ -38802,6 +39025,31 @@
           </a:prstGeom>
         </p:spPr>
       </p:pic>
+      <p:sp>
+        <p:nvSpPr>
+          <p:cNvPr id="4" name="Title 3">
+            <a:extLst>
+              <a:ext uri="{FF2B5EF4-FFF2-40B4-BE49-F238E27FC236}">
+                <a16:creationId xmlns:a16="http://schemas.microsoft.com/office/drawing/2014/main" id="{ED14EB55-7215-9CAE-2068-C76A7E3BB64D}"/>
+              </a:ext>
+            </a:extLst>
+          </p:cNvPr>
+          <p:cNvSpPr>
+            <a:spLocks noGrp="1"/>
+          </p:cNvSpPr>
+          <p:nvPr>
+            <p:ph type="title"/>
+          </p:nvPr>
+        </p:nvSpPr>
+        <p:spPr/>
+        <p:txBody>
+          <a:bodyPr/>
+          <a:lstStyle/>
+          <a:p>
+            <a:endParaRPr lang="en-IN"/>
+          </a:p>
+        </p:txBody>
+      </p:sp>
     </p:spTree>
     <p:extLst>
       <p:ext uri="{BB962C8B-B14F-4D97-AF65-F5344CB8AC3E}">
@@ -38914,6 +39162,31 @@
           </a:prstGeom>
         </p:spPr>
       </p:pic>
+      <p:sp>
+        <p:nvSpPr>
+          <p:cNvPr id="4" name="Title 3">
+            <a:extLst>
+              <a:ext uri="{FF2B5EF4-FFF2-40B4-BE49-F238E27FC236}">
+                <a16:creationId xmlns:a16="http://schemas.microsoft.com/office/drawing/2014/main" id="{D7CEA087-3B68-9850-2638-30AAEF0E8239}"/>
+              </a:ext>
+            </a:extLst>
+          </p:cNvPr>
+          <p:cNvSpPr>
+            <a:spLocks noGrp="1"/>
+          </p:cNvSpPr>
+          <p:nvPr>
+            <p:ph type="title"/>
+          </p:nvPr>
+        </p:nvSpPr>
+        <p:spPr/>
+        <p:txBody>
+          <a:bodyPr/>
+          <a:lstStyle/>
+          <a:p>
+            <a:endParaRPr lang="en-IN"/>
+          </a:p>
+        </p:txBody>
+      </p:sp>
     </p:spTree>
     <p:extLst>
       <p:ext uri="{BB962C8B-B14F-4D97-AF65-F5344CB8AC3E}">
@@ -39026,6 +39299,31 @@
           </a:prstGeom>
         </p:spPr>
       </p:pic>
+      <p:sp>
+        <p:nvSpPr>
+          <p:cNvPr id="5" name="Title 4">
+            <a:extLst>
+              <a:ext uri="{FF2B5EF4-FFF2-40B4-BE49-F238E27FC236}">
+                <a16:creationId xmlns:a16="http://schemas.microsoft.com/office/drawing/2014/main" id="{9C3003A7-0F5B-23C1-65A5-851E009CB75E}"/>
+              </a:ext>
+            </a:extLst>
+          </p:cNvPr>
+          <p:cNvSpPr>
+            <a:spLocks noGrp="1"/>
+          </p:cNvSpPr>
+          <p:nvPr>
+            <p:ph type="title"/>
+          </p:nvPr>
+        </p:nvSpPr>
+        <p:spPr/>
+        <p:txBody>
+          <a:bodyPr/>
+          <a:lstStyle/>
+          <a:p>
+            <a:endParaRPr lang="en-IN"/>
+          </a:p>
+        </p:txBody>
+      </p:sp>
     </p:spTree>
     <p:extLst>
       <p:ext uri="{BB962C8B-B14F-4D97-AF65-F5344CB8AC3E}">
